--- a/介紹/107590039.pptx
+++ b/介紹/107590039.pptx
@@ -215,7 +215,7 @@
           <a:p>
             <a:fld id="{E9C7C8D6-8378-491C-A88C-F5C0F1DDB3DF}" type="datetimeFigureOut">
               <a:rPr lang="zh-CN" altLang="en-US" smtClean="0"/>
-              <a:t>2020/4/22</a:t>
+              <a:t>2020/4/23</a:t>
             </a:fld>
             <a:endParaRPr lang="zh-CN" altLang="en-US"/>
           </a:p>
@@ -1049,7 +1049,7 @@
           <a:p>
             <a:fld id="{EE4C556E-D11A-48D7-81C0-B1B5323EC136}" type="datetimeFigureOut">
               <a:rPr lang="zh-CN" altLang="en-US" smtClean="0"/>
-              <a:t>2020/4/22</a:t>
+              <a:t>2020/4/23</a:t>
             </a:fld>
             <a:endParaRPr lang="zh-CN" altLang="en-US"/>
           </a:p>
@@ -1247,7 +1247,7 @@
           <a:p>
             <a:fld id="{EE4C556E-D11A-48D7-81C0-B1B5323EC136}" type="datetimeFigureOut">
               <a:rPr lang="zh-CN" altLang="en-US" smtClean="0"/>
-              <a:t>2020/4/22</a:t>
+              <a:t>2020/4/23</a:t>
             </a:fld>
             <a:endParaRPr lang="zh-CN" altLang="en-US"/>
           </a:p>
@@ -1455,7 +1455,7 @@
           <a:p>
             <a:fld id="{EE4C556E-D11A-48D7-81C0-B1B5323EC136}" type="datetimeFigureOut">
               <a:rPr lang="zh-CN" altLang="en-US" smtClean="0"/>
-              <a:t>2020/4/22</a:t>
+              <a:t>2020/4/23</a:t>
             </a:fld>
             <a:endParaRPr lang="zh-CN" altLang="en-US"/>
           </a:p>
@@ -1653,7 +1653,7 @@
           <a:p>
             <a:fld id="{EE4C556E-D11A-48D7-81C0-B1B5323EC136}" type="datetimeFigureOut">
               <a:rPr lang="zh-CN" altLang="en-US" smtClean="0"/>
-              <a:t>2020/4/22</a:t>
+              <a:t>2020/4/23</a:t>
             </a:fld>
             <a:endParaRPr lang="zh-CN" altLang="en-US"/>
           </a:p>
@@ -1928,7 +1928,7 @@
           <a:p>
             <a:fld id="{EE4C556E-D11A-48D7-81C0-B1B5323EC136}" type="datetimeFigureOut">
               <a:rPr lang="zh-CN" altLang="en-US" smtClean="0"/>
-              <a:t>2020/4/22</a:t>
+              <a:t>2020/4/23</a:t>
             </a:fld>
             <a:endParaRPr lang="zh-CN" altLang="en-US"/>
           </a:p>
@@ -2193,7 +2193,7 @@
           <a:p>
             <a:fld id="{EE4C556E-D11A-48D7-81C0-B1B5323EC136}" type="datetimeFigureOut">
               <a:rPr lang="zh-CN" altLang="en-US" smtClean="0"/>
-              <a:t>2020/4/22</a:t>
+              <a:t>2020/4/23</a:t>
             </a:fld>
             <a:endParaRPr lang="zh-CN" altLang="en-US"/>
           </a:p>
@@ -3165,7 +3165,7 @@
           <a:p>
             <a:fld id="{EE4C556E-D11A-48D7-81C0-B1B5323EC136}" type="datetimeFigureOut">
               <a:rPr lang="zh-CN" altLang="en-US" smtClean="0"/>
-              <a:t>2020/4/22</a:t>
+              <a:t>2020/4/23</a:t>
             </a:fld>
             <a:endParaRPr lang="zh-CN" altLang="en-US"/>
           </a:p>
@@ -3306,7 +3306,7 @@
           <a:p>
             <a:fld id="{EE4C556E-D11A-48D7-81C0-B1B5323EC136}" type="datetimeFigureOut">
               <a:rPr lang="zh-CN" altLang="en-US" smtClean="0"/>
-              <a:t>2020/4/22</a:t>
+              <a:t>2020/4/23</a:t>
             </a:fld>
             <a:endParaRPr lang="zh-CN" altLang="en-US"/>
           </a:p>
@@ -3419,7 +3419,7 @@
           <a:p>
             <a:fld id="{EE4C556E-D11A-48D7-81C0-B1B5323EC136}" type="datetimeFigureOut">
               <a:rPr lang="zh-CN" altLang="en-US" smtClean="0"/>
-              <a:t>2020/4/22</a:t>
+              <a:t>2020/4/23</a:t>
             </a:fld>
             <a:endParaRPr lang="zh-CN" altLang="en-US"/>
           </a:p>
@@ -3730,7 +3730,7 @@
           <a:p>
             <a:fld id="{EE4C556E-D11A-48D7-81C0-B1B5323EC136}" type="datetimeFigureOut">
               <a:rPr lang="zh-CN" altLang="en-US" smtClean="0"/>
-              <a:t>2020/4/22</a:t>
+              <a:t>2020/4/23</a:t>
             </a:fld>
             <a:endParaRPr lang="zh-CN" altLang="en-US"/>
           </a:p>
@@ -4018,7 +4018,7 @@
           <a:p>
             <a:fld id="{EE4C556E-D11A-48D7-81C0-B1B5323EC136}" type="datetimeFigureOut">
               <a:rPr lang="zh-CN" altLang="en-US" smtClean="0"/>
-              <a:t>2020/4/22</a:t>
+              <a:t>2020/4/23</a:t>
             </a:fld>
             <a:endParaRPr lang="zh-CN" altLang="en-US"/>
           </a:p>
@@ -4269,7 +4269,7 @@
           <a:p>
             <a:fld id="{EE4C556E-D11A-48D7-81C0-B1B5323EC136}" type="datetimeFigureOut">
               <a:rPr lang="zh-CN" altLang="en-US" smtClean="0"/>
-              <a:t>2020/4/22</a:t>
+              <a:t>2020/4/23</a:t>
             </a:fld>
             <a:endParaRPr lang="zh-CN" altLang="en-US"/>
           </a:p>
@@ -4716,7 +4716,7 @@
           <a:p>
             <a:pPr algn="dist"/>
             <a:r>
-              <a:rPr lang="zh-TW" altLang="en-US" sz="7200" b="1" dirty="0" smtClean="0">
+              <a:rPr lang="zh-TW" altLang="en-US" sz="7200" b="1" dirty="0">
                 <a:gradFill>
                   <a:gsLst>
                     <a:gs pos="2655">
@@ -4789,21 +4789,21 @@
           <a:lstStyle/>
           <a:p>
             <a:r>
-              <a:rPr lang="zh-TW" altLang="en-US" dirty="0" smtClean="0">
+              <a:rPr lang="zh-TW" altLang="en-US" dirty="0">
                 <a:cs typeface="+mn-ea"/>
                 <a:sym typeface="+mn-lt"/>
               </a:rPr>
               <a:t>資工二 </a:t>
             </a:r>
             <a:r>
-              <a:rPr lang="en-US" altLang="zh-TW" dirty="0" smtClean="0">
+              <a:rPr lang="en-US" altLang="zh-TW" dirty="0">
                 <a:cs typeface="+mn-ea"/>
                 <a:sym typeface="+mn-lt"/>
               </a:rPr>
               <a:t>107590039</a:t>
             </a:r>
             <a:r>
-              <a:rPr lang="zh-TW" altLang="en-US" dirty="0" smtClean="0">
+              <a:rPr lang="zh-TW" altLang="en-US" dirty="0">
                 <a:cs typeface="+mn-ea"/>
                 <a:sym typeface="+mn-lt"/>
               </a:rPr>
@@ -7259,7 +7259,7 @@
           <a:lstStyle/>
           <a:p>
             <a:r>
-              <a:rPr lang="en-US" altLang="zh-TW" sz="2800" dirty="0" smtClean="0">
+              <a:rPr lang="en-US" altLang="zh-TW" sz="2800" dirty="0">
                 <a:latin typeface="標楷體" panose="03000509000000000000" pitchFamily="65" charset="-120"/>
                 <a:ea typeface="標楷體" panose="03000509000000000000" pitchFamily="65" charset="-120"/>
               </a:rPr>
@@ -7295,23 +7295,19 @@
           <a:lstStyle/>
           <a:p>
             <a:r>
-              <a:rPr lang="en-US" altLang="zh-TW" sz="2800" dirty="0" smtClean="0">
+              <a:rPr lang="en-US" altLang="zh-TW" sz="2800" dirty="0">
                 <a:latin typeface="標楷體" panose="03000509000000000000" pitchFamily="65" charset="-120"/>
                 <a:ea typeface="標楷體" panose="03000509000000000000" pitchFamily="65" charset="-120"/>
               </a:rPr>
               <a:t>Wireframe</a:t>
             </a:r>
             <a:r>
-              <a:rPr lang="zh-TW" altLang="en-US" sz="2800" dirty="0" smtClean="0">
+              <a:rPr lang="zh-TW" altLang="en-US" sz="2800" dirty="0">
                 <a:latin typeface="標楷體" panose="03000509000000000000" pitchFamily="65" charset="-120"/>
                 <a:ea typeface="標楷體" panose="03000509000000000000" pitchFamily="65" charset="-120"/>
               </a:rPr>
               <a:t>灰階</a:t>
             </a:r>
-            <a:endParaRPr lang="zh-TW" altLang="en-US" sz="2800" dirty="0">
-              <a:latin typeface="標楷體" panose="03000509000000000000" pitchFamily="65" charset="-120"/>
-              <a:ea typeface="標楷體" panose="03000509000000000000" pitchFamily="65" charset="-120"/>
-            </a:endParaRPr>
           </a:p>
         </p:txBody>
       </p:sp>
@@ -7840,7 +7836,7 @@
           <a:lstStyle/>
           <a:p>
             <a:r>
-              <a:rPr lang="zh-TW" altLang="en-US" sz="3200" dirty="0" smtClean="0">
+              <a:rPr lang="zh-TW" altLang="en-US" sz="3200" dirty="0">
                 <a:solidFill>
                   <a:schemeClr val="tx1">
                     <a:lumMod val="75000"/>
@@ -8280,12 +8276,8 @@
           <a:lstStyle/>
           <a:p>
             <a:r>
-              <a:rPr lang="zh-TW" altLang="en-US" dirty="0" smtClean="0"/>
-              <a:t>主導覽</a:t>
-            </a:r>
-            <a:r>
               <a:rPr lang="zh-TW" altLang="en-US" dirty="0"/>
-              <a:t>列</a:t>
+              <a:t>主導覽列</a:t>
             </a:r>
           </a:p>
         </p:txBody>
@@ -8313,10 +8305,9 @@
           <a:lstStyle/>
           <a:p>
             <a:r>
-              <a:rPr lang="zh-TW" altLang="en-US" dirty="0" smtClean="0"/>
+              <a:rPr lang="zh-TW" altLang="en-US" dirty="0"/>
               <a:t>功能導覽</a:t>
             </a:r>
-            <a:endParaRPr lang="zh-TW" altLang="en-US" dirty="0"/>
           </a:p>
         </p:txBody>
       </p:sp>
@@ -8343,10 +8334,9 @@
           <a:lstStyle/>
           <a:p>
             <a:r>
-              <a:rPr lang="zh-TW" altLang="en-US" dirty="0" smtClean="0"/>
+              <a:rPr lang="zh-TW" altLang="en-US" dirty="0"/>
               <a:t>推薦商品</a:t>
             </a:r>
-            <a:endParaRPr lang="zh-TW" altLang="en-US" dirty="0"/>
           </a:p>
         </p:txBody>
       </p:sp>
@@ -8373,10 +8363,9 @@
           <a:lstStyle/>
           <a:p>
             <a:r>
-              <a:rPr lang="zh-TW" altLang="en-US" dirty="0" smtClean="0"/>
+              <a:rPr lang="zh-TW" altLang="en-US" dirty="0"/>
               <a:t>商品介紹</a:t>
             </a:r>
-            <a:endParaRPr lang="zh-TW" altLang="en-US" dirty="0"/>
           </a:p>
         </p:txBody>
       </p:sp>
@@ -8403,10 +8392,409 @@
           <a:lstStyle/>
           <a:p>
             <a:r>
-              <a:rPr lang="zh-TW" altLang="en-US" dirty="0" smtClean="0"/>
+              <a:rPr lang="zh-TW" altLang="en-US" dirty="0"/>
               <a:t>主要商品</a:t>
             </a:r>
+          </a:p>
+        </p:txBody>
+      </p:sp>
+      <p:sp>
+        <p:nvSpPr>
+          <p:cNvPr id="21" name="橢圓 20">
+            <a:extLst>
+              <a:ext uri="{FF2B5EF4-FFF2-40B4-BE49-F238E27FC236}">
+                <a16:creationId xmlns:a16="http://schemas.microsoft.com/office/drawing/2014/main" id="{BA22FF8F-0D2B-4BC8-910B-8ED99AEE40B5}"/>
+              </a:ext>
+            </a:extLst>
+          </p:cNvPr>
+          <p:cNvSpPr/>
+          <p:nvPr/>
+        </p:nvSpPr>
+        <p:spPr>
+          <a:xfrm>
+            <a:off x="3978482" y="1113593"/>
+            <a:ext cx="218309" cy="223844"/>
+          </a:xfrm>
+          <a:prstGeom prst="ellipse">
+            <a:avLst/>
+          </a:prstGeom>
+        </p:spPr>
+        <p:style>
+          <a:lnRef idx="2">
+            <a:schemeClr val="accent3">
+              <a:shade val="50000"/>
+            </a:schemeClr>
+          </a:lnRef>
+          <a:fillRef idx="1">
+            <a:schemeClr val="accent3"/>
+          </a:fillRef>
+          <a:effectRef idx="0">
+            <a:schemeClr val="accent3"/>
+          </a:effectRef>
+          <a:fontRef idx="minor">
+            <a:schemeClr val="lt1"/>
+          </a:fontRef>
+        </p:style>
+        <p:txBody>
+          <a:bodyPr rtlCol="0" anchor="ctr"/>
+          <a:lstStyle/>
+          <a:p>
+            <a:pPr algn="ctr"/>
+            <a:r>
+              <a:rPr lang="en-US" altLang="zh-TW" dirty="0"/>
+              <a:t>1</a:t>
+            </a:r>
+          </a:p>
+        </p:txBody>
+      </p:sp>
+      <p:sp>
+        <p:nvSpPr>
+          <p:cNvPr id="22" name="橢圓 21">
+            <a:extLst>
+              <a:ext uri="{FF2B5EF4-FFF2-40B4-BE49-F238E27FC236}">
+                <a16:creationId xmlns:a16="http://schemas.microsoft.com/office/drawing/2014/main" id="{D434FA74-7C46-494A-997E-6CF3C2573726}"/>
+              </a:ext>
+            </a:extLst>
+          </p:cNvPr>
+          <p:cNvSpPr/>
+          <p:nvPr/>
+        </p:nvSpPr>
+        <p:spPr>
+          <a:xfrm>
+            <a:off x="3978482" y="3871821"/>
+            <a:ext cx="218309" cy="223844"/>
+          </a:xfrm>
+          <a:prstGeom prst="ellipse">
+            <a:avLst/>
+          </a:prstGeom>
+        </p:spPr>
+        <p:style>
+          <a:lnRef idx="2">
+            <a:schemeClr val="accent3">
+              <a:shade val="50000"/>
+            </a:schemeClr>
+          </a:lnRef>
+          <a:fillRef idx="1">
+            <a:schemeClr val="accent3"/>
+          </a:fillRef>
+          <a:effectRef idx="0">
+            <a:schemeClr val="accent3"/>
+          </a:effectRef>
+          <a:fontRef idx="minor">
+            <a:schemeClr val="lt1"/>
+          </a:fontRef>
+        </p:style>
+        <p:txBody>
+          <a:bodyPr rtlCol="0" anchor="ctr"/>
+          <a:lstStyle/>
+          <a:p>
+            <a:pPr algn="ctr"/>
+            <a:r>
+              <a:rPr lang="en-US" altLang="zh-TW" dirty="0"/>
+              <a:t>2</a:t>
+            </a:r>
+          </a:p>
+        </p:txBody>
+      </p:sp>
+      <p:sp>
+        <p:nvSpPr>
+          <p:cNvPr id="23" name="橢圓 22">
+            <a:extLst>
+              <a:ext uri="{FF2B5EF4-FFF2-40B4-BE49-F238E27FC236}">
+                <a16:creationId xmlns:a16="http://schemas.microsoft.com/office/drawing/2014/main" id="{2C737915-B8CD-4A21-B9B9-78C9A1372F01}"/>
+              </a:ext>
+            </a:extLst>
+          </p:cNvPr>
+          <p:cNvSpPr/>
+          <p:nvPr/>
+        </p:nvSpPr>
+        <p:spPr>
+          <a:xfrm>
+            <a:off x="376104" y="5272825"/>
+            <a:ext cx="218309" cy="223844"/>
+          </a:xfrm>
+          <a:prstGeom prst="ellipse">
+            <a:avLst/>
+          </a:prstGeom>
+        </p:spPr>
+        <p:style>
+          <a:lnRef idx="2">
+            <a:schemeClr val="accent3">
+              <a:shade val="50000"/>
+            </a:schemeClr>
+          </a:lnRef>
+          <a:fillRef idx="1">
+            <a:schemeClr val="accent3"/>
+          </a:fillRef>
+          <a:effectRef idx="0">
+            <a:schemeClr val="accent3"/>
+          </a:effectRef>
+          <a:fontRef idx="minor">
+            <a:schemeClr val="lt1"/>
+          </a:fontRef>
+        </p:style>
+        <p:txBody>
+          <a:bodyPr rtlCol="0" anchor="ctr"/>
+          <a:lstStyle/>
+          <a:p>
+            <a:pPr algn="ctr"/>
+            <a:r>
+              <a:rPr lang="en-US" altLang="zh-TW" dirty="0"/>
+              <a:t>1</a:t>
+            </a:r>
+          </a:p>
+        </p:txBody>
+      </p:sp>
+      <p:sp>
+        <p:nvSpPr>
+          <p:cNvPr id="25" name="橢圓 24">
+            <a:extLst>
+              <a:ext uri="{FF2B5EF4-FFF2-40B4-BE49-F238E27FC236}">
+                <a16:creationId xmlns:a16="http://schemas.microsoft.com/office/drawing/2014/main" id="{E39FE662-A640-4188-8F7A-20715A116B55}"/>
+              </a:ext>
+            </a:extLst>
+          </p:cNvPr>
+          <p:cNvSpPr/>
+          <p:nvPr/>
+        </p:nvSpPr>
+        <p:spPr>
+          <a:xfrm>
+            <a:off x="376104" y="5756081"/>
+            <a:ext cx="218309" cy="223844"/>
+          </a:xfrm>
+          <a:prstGeom prst="ellipse">
+            <a:avLst/>
+          </a:prstGeom>
+        </p:spPr>
+        <p:style>
+          <a:lnRef idx="2">
+            <a:schemeClr val="accent3">
+              <a:shade val="50000"/>
+            </a:schemeClr>
+          </a:lnRef>
+          <a:fillRef idx="1">
+            <a:schemeClr val="accent3"/>
+          </a:fillRef>
+          <a:effectRef idx="0">
+            <a:schemeClr val="accent3"/>
+          </a:effectRef>
+          <a:fontRef idx="minor">
+            <a:schemeClr val="lt1"/>
+          </a:fontRef>
+        </p:style>
+        <p:txBody>
+          <a:bodyPr rtlCol="0" anchor="ctr"/>
+          <a:lstStyle/>
+          <a:p>
+            <a:pPr algn="ctr"/>
+            <a:r>
+              <a:rPr lang="en-US" altLang="zh-TW" dirty="0"/>
+              <a:t>2</a:t>
+            </a:r>
+          </a:p>
+        </p:txBody>
+      </p:sp>
+      <p:sp>
+        <p:nvSpPr>
+          <p:cNvPr id="27" name="文字方塊 26">
+            <a:extLst>
+              <a:ext uri="{FF2B5EF4-FFF2-40B4-BE49-F238E27FC236}">
+                <a16:creationId xmlns:a16="http://schemas.microsoft.com/office/drawing/2014/main" id="{93C54EDC-72F0-4574-9604-56D3948E3B69}"/>
+              </a:ext>
+            </a:extLst>
+          </p:cNvPr>
+          <p:cNvSpPr txBox="1"/>
+          <p:nvPr/>
+        </p:nvSpPr>
+        <p:spPr>
+          <a:xfrm>
+            <a:off x="669783" y="5683337"/>
+            <a:ext cx="1569660" cy="369332"/>
+          </a:xfrm>
+          <a:prstGeom prst="rect">
+            <a:avLst/>
+          </a:prstGeom>
+          <a:noFill/>
+        </p:spPr>
+        <p:txBody>
+          <a:bodyPr wrap="none" rtlCol="0">
+            <a:spAutoFit/>
+          </a:bodyPr>
+          <a:lstStyle/>
+          <a:p>
+            <a:r>
+              <a:rPr lang="zh-TW" altLang="en-US" dirty="0"/>
+              <a:t>主要商品介紹</a:t>
+            </a:r>
+          </a:p>
+        </p:txBody>
+      </p:sp>
+      <p:sp>
+        <p:nvSpPr>
+          <p:cNvPr id="28" name="文字方塊 27">
+            <a:extLst>
+              <a:ext uri="{FF2B5EF4-FFF2-40B4-BE49-F238E27FC236}">
+                <a16:creationId xmlns:a16="http://schemas.microsoft.com/office/drawing/2014/main" id="{4183822D-89F6-486B-A263-6B494B4D4763}"/>
+              </a:ext>
+            </a:extLst>
+          </p:cNvPr>
+          <p:cNvSpPr txBox="1"/>
+          <p:nvPr/>
+        </p:nvSpPr>
+        <p:spPr>
+          <a:xfrm>
+            <a:off x="669783" y="5200081"/>
+            <a:ext cx="851515" cy="369332"/>
+          </a:xfrm>
+          <a:prstGeom prst="rect">
+            <a:avLst/>
+          </a:prstGeom>
+          <a:noFill/>
+        </p:spPr>
+        <p:txBody>
+          <a:bodyPr wrap="none" rtlCol="0">
+            <a:spAutoFit/>
+          </a:bodyPr>
+          <a:lstStyle/>
+          <a:p>
+            <a:r>
+              <a:rPr lang="en-US" altLang="zh-TW" dirty="0"/>
+              <a:t>LOGO</a:t>
+            </a:r>
             <a:endParaRPr lang="zh-TW" altLang="en-US" dirty="0"/>
+          </a:p>
+        </p:txBody>
+      </p:sp>
+      <p:sp>
+        <p:nvSpPr>
+          <p:cNvPr id="29" name="橢圓 28">
+            <a:extLst>
+              <a:ext uri="{FF2B5EF4-FFF2-40B4-BE49-F238E27FC236}">
+                <a16:creationId xmlns:a16="http://schemas.microsoft.com/office/drawing/2014/main" id="{135D54ED-5D4D-4349-BA23-E700C0607A39}"/>
+              </a:ext>
+            </a:extLst>
+          </p:cNvPr>
+          <p:cNvSpPr/>
+          <p:nvPr/>
+        </p:nvSpPr>
+        <p:spPr>
+          <a:xfrm>
+            <a:off x="7390043" y="1113593"/>
+            <a:ext cx="218309" cy="223844"/>
+          </a:xfrm>
+          <a:prstGeom prst="ellipse">
+            <a:avLst/>
+          </a:prstGeom>
+        </p:spPr>
+        <p:style>
+          <a:lnRef idx="2">
+            <a:schemeClr val="accent3">
+              <a:shade val="50000"/>
+            </a:schemeClr>
+          </a:lnRef>
+          <a:fillRef idx="1">
+            <a:schemeClr val="accent3"/>
+          </a:fillRef>
+          <a:effectRef idx="0">
+            <a:schemeClr val="accent3"/>
+          </a:effectRef>
+          <a:fontRef idx="minor">
+            <a:schemeClr val="lt1"/>
+          </a:fontRef>
+        </p:style>
+        <p:txBody>
+          <a:bodyPr rtlCol="0" anchor="ctr"/>
+          <a:lstStyle/>
+          <a:p>
+            <a:pPr algn="ctr"/>
+            <a:r>
+              <a:rPr lang="en-US" altLang="zh-TW" dirty="0"/>
+              <a:t>3</a:t>
+            </a:r>
+          </a:p>
+        </p:txBody>
+      </p:sp>
+      <p:sp>
+        <p:nvSpPr>
+          <p:cNvPr id="30" name="橢圓 29">
+            <a:extLst>
+              <a:ext uri="{FF2B5EF4-FFF2-40B4-BE49-F238E27FC236}">
+                <a16:creationId xmlns:a16="http://schemas.microsoft.com/office/drawing/2014/main" id="{FC677887-DBCB-431B-97BE-68FAE741F9CF}"/>
+              </a:ext>
+            </a:extLst>
+          </p:cNvPr>
+          <p:cNvSpPr/>
+          <p:nvPr/>
+        </p:nvSpPr>
+        <p:spPr>
+          <a:xfrm>
+            <a:off x="376103" y="6276640"/>
+            <a:ext cx="218309" cy="223844"/>
+          </a:xfrm>
+          <a:prstGeom prst="ellipse">
+            <a:avLst/>
+          </a:prstGeom>
+        </p:spPr>
+        <p:style>
+          <a:lnRef idx="2">
+            <a:schemeClr val="accent3">
+              <a:shade val="50000"/>
+            </a:schemeClr>
+          </a:lnRef>
+          <a:fillRef idx="1">
+            <a:schemeClr val="accent3"/>
+          </a:fillRef>
+          <a:effectRef idx="0">
+            <a:schemeClr val="accent3"/>
+          </a:effectRef>
+          <a:fontRef idx="minor">
+            <a:schemeClr val="lt1"/>
+          </a:fontRef>
+        </p:style>
+        <p:txBody>
+          <a:bodyPr rtlCol="0" anchor="ctr"/>
+          <a:lstStyle/>
+          <a:p>
+            <a:pPr algn="ctr"/>
+            <a:r>
+              <a:rPr lang="en-US" altLang="zh-TW" dirty="0"/>
+              <a:t>3</a:t>
+            </a:r>
+          </a:p>
+        </p:txBody>
+      </p:sp>
+      <p:sp>
+        <p:nvSpPr>
+          <p:cNvPr id="32" name="文字方塊 31">
+            <a:extLst>
+              <a:ext uri="{FF2B5EF4-FFF2-40B4-BE49-F238E27FC236}">
+                <a16:creationId xmlns:a16="http://schemas.microsoft.com/office/drawing/2014/main" id="{67257937-ABC4-409C-A836-F688EA5FA9C7}"/>
+              </a:ext>
+            </a:extLst>
+          </p:cNvPr>
+          <p:cNvSpPr txBox="1"/>
+          <p:nvPr/>
+        </p:nvSpPr>
+        <p:spPr>
+          <a:xfrm>
+            <a:off x="700549" y="6199853"/>
+            <a:ext cx="1569660" cy="369332"/>
+          </a:xfrm>
+          <a:prstGeom prst="rect">
+            <a:avLst/>
+          </a:prstGeom>
+          <a:noFill/>
+        </p:spPr>
+        <p:txBody>
+          <a:bodyPr wrap="none" rtlCol="0">
+            <a:spAutoFit/>
+          </a:bodyPr>
+          <a:lstStyle/>
+          <a:p>
+            <a:r>
+              <a:rPr lang="zh-TW" altLang="en-US" dirty="0"/>
+              <a:t>社群網站連結</a:t>
+            </a:r>
           </a:p>
         </p:txBody>
       </p:sp>
@@ -8803,19 +9191,6 @@
           <a:lstStyle/>
           <a:p>
             <a:r>
-              <a:rPr lang="zh-TW" altLang="en-US" sz="3200" dirty="0" smtClean="0">
-                <a:solidFill>
-                  <a:schemeClr val="tx1">
-                    <a:lumMod val="75000"/>
-                    <a:lumOff val="25000"/>
-                  </a:schemeClr>
-                </a:solidFill>
-                <a:cs typeface="+mn-ea"/>
-                <a:sym typeface="+mn-lt"/>
-              </a:rPr>
-              <a:t>色彩設</a:t>
-            </a:r>
-            <a:r>
               <a:rPr lang="zh-TW" altLang="en-US" sz="3200" dirty="0">
                 <a:solidFill>
                   <a:schemeClr val="tx1">
@@ -8826,7 +9201,7 @@
                 <a:cs typeface="+mn-ea"/>
                 <a:sym typeface="+mn-lt"/>
               </a:rPr>
-              <a:t>計</a:t>
+              <a:t>色彩設計</a:t>
             </a:r>
             <a:endParaRPr lang="zh-CN" altLang="en-US" sz="3200" dirty="0">
               <a:solidFill>
@@ -8978,7 +9353,7 @@
         <p:spPr>
           <a:xfrm>
             <a:off x="8104223" y="1700009"/>
-            <a:ext cx="2894451" cy="4250028"/>
+            <a:ext cx="2894451" cy="2072493"/>
           </a:xfrm>
           <a:prstGeom prst="roundRect">
             <a:avLst>
@@ -9090,7 +9465,7 @@
           <a:lstStyle/>
           <a:p>
             <a:r>
-              <a:rPr lang="en-US" altLang="zh-TW" dirty="0" smtClean="0"/>
+              <a:rPr lang="en-US" altLang="zh-TW" dirty="0"/>
               <a:t>R:255,G:255,B:255</a:t>
             </a:r>
             <a:endParaRPr lang="zh-TW" altLang="en-US" dirty="0"/>
@@ -9120,10 +9495,9 @@
           <a:lstStyle/>
           <a:p>
             <a:r>
-              <a:rPr lang="zh-TW" altLang="en-US" sz="1600" dirty="0" smtClean="0"/>
+              <a:rPr lang="zh-TW" altLang="en-US" sz="1600" dirty="0"/>
               <a:t>利用最不會使眼睛疲勞的白色，讓觀看的人能更加留意在文字上面而不讓眼睛疲勞</a:t>
             </a:r>
-            <a:endParaRPr lang="zh-TW" altLang="en-US" sz="1600" dirty="0"/>
           </a:p>
         </p:txBody>
       </p:sp>
@@ -9197,7 +9571,7 @@
           <a:lstStyle/>
           <a:p>
             <a:r>
-              <a:rPr lang="en-US" altLang="zh-TW" dirty="0" smtClean="0"/>
+              <a:rPr lang="en-US" altLang="zh-TW" dirty="0"/>
               <a:t>R:31,G:179,B:131</a:t>
             </a:r>
             <a:endParaRPr lang="zh-TW" altLang="en-US" dirty="0"/>
@@ -9227,10 +9601,9 @@
           <a:lstStyle/>
           <a:p>
             <a:r>
-              <a:rPr lang="zh-TW" altLang="en-US" sz="1600" dirty="0" smtClean="0"/>
+              <a:rPr lang="zh-TW" altLang="en-US" sz="1600" dirty="0"/>
               <a:t>綠色是一種顧眼睛的色彩，在讀者在觀看小說的途中，也能降低對讀者眼睛的傷害，進而讓讀者逗留在此</a:t>
             </a:r>
-            <a:endParaRPr lang="zh-TW" altLang="en-US" sz="1600" dirty="0"/>
           </a:p>
         </p:txBody>
       </p:sp>
@@ -9242,7 +9615,7 @@
         </p:nvSpPr>
         <p:spPr>
           <a:xfrm>
-            <a:off x="8205602" y="2110509"/>
+            <a:off x="8189626" y="1791928"/>
             <a:ext cx="1415772" cy="584775"/>
           </a:xfrm>
           <a:prstGeom prst="rect">
@@ -9257,16 +9630,12 @@
           <a:lstStyle/>
           <a:p>
             <a:r>
-              <a:rPr lang="zh-TW" altLang="en-US" sz="3200" dirty="0" smtClean="0">
+              <a:rPr lang="zh-TW" altLang="en-US" sz="3200" dirty="0">
                 <a:latin typeface="標楷體" panose="03000509000000000000" pitchFamily="65" charset="-120"/>
                 <a:ea typeface="標楷體" panose="03000509000000000000" pitchFamily="65" charset="-120"/>
               </a:rPr>
               <a:t>標楷體</a:t>
             </a:r>
-            <a:endParaRPr lang="zh-TW" altLang="en-US" sz="3200" dirty="0">
-              <a:latin typeface="標楷體" panose="03000509000000000000" pitchFamily="65" charset="-120"/>
-              <a:ea typeface="標楷體" panose="03000509000000000000" pitchFamily="65" charset="-120"/>
-            </a:endParaRPr>
           </a:p>
         </p:txBody>
       </p:sp>
@@ -9278,7 +9647,7 @@
         </p:nvSpPr>
         <p:spPr>
           <a:xfrm>
-            <a:off x="8227899" y="2874951"/>
+            <a:off x="8252205" y="2505422"/>
             <a:ext cx="1107996" cy="461665"/>
           </a:xfrm>
           <a:prstGeom prst="rect">
@@ -9299,10 +9668,6 @@
               </a:rPr>
               <a:t>標楷體</a:t>
             </a:r>
-            <a:endParaRPr lang="zh-TW" altLang="en-US" sz="2400" dirty="0">
-              <a:latin typeface="標楷體" panose="03000509000000000000" pitchFamily="65" charset="-120"/>
-              <a:ea typeface="標楷體" panose="03000509000000000000" pitchFamily="65" charset="-120"/>
-            </a:endParaRPr>
           </a:p>
         </p:txBody>
       </p:sp>
@@ -9314,7 +9679,7 @@
         </p:nvSpPr>
         <p:spPr>
           <a:xfrm>
-            <a:off x="8227899" y="3566818"/>
+            <a:off x="8305336" y="3186395"/>
             <a:ext cx="877163" cy="369332"/>
           </a:xfrm>
           <a:prstGeom prst="rect">
@@ -9335,10 +9700,6 @@
               </a:rPr>
               <a:t>標楷體</a:t>
             </a:r>
-            <a:endParaRPr lang="zh-TW" altLang="en-US" dirty="0">
-              <a:latin typeface="標楷體" panose="03000509000000000000" pitchFamily="65" charset="-120"/>
-              <a:ea typeface="標楷體" panose="03000509000000000000" pitchFamily="65" charset="-120"/>
-            </a:endParaRPr>
           </a:p>
         </p:txBody>
       </p:sp>
@@ -9379,7 +9740,7 @@
           <a:p>
             <a:pPr algn="ctr"/>
             <a:r>
-              <a:rPr lang="en-US" altLang="zh-TW" dirty="0" smtClean="0"/>
+              <a:rPr lang="en-US" altLang="zh-TW" dirty="0"/>
               <a:t>1</a:t>
             </a:r>
           </a:p>
@@ -9425,7 +9786,6 @@
               <a:rPr lang="en-US" altLang="zh-TW" dirty="0"/>
               <a:t>3</a:t>
             </a:r>
-            <a:endParaRPr lang="en-US" altLang="zh-TW" dirty="0" smtClean="0"/>
           </a:p>
         </p:txBody>
       </p:sp>
@@ -9452,10 +9812,9 @@
           <a:lstStyle/>
           <a:p>
             <a:r>
-              <a:rPr lang="zh-TW" altLang="en-US" dirty="0" smtClean="0"/>
+              <a:rPr lang="zh-TW" altLang="en-US" dirty="0"/>
               <a:t>色彩</a:t>
             </a:r>
-            <a:endParaRPr lang="zh-TW" altLang="en-US" dirty="0"/>
           </a:p>
         </p:txBody>
       </p:sp>
@@ -9482,10 +9841,9 @@
           <a:lstStyle/>
           <a:p>
             <a:r>
-              <a:rPr lang="zh-TW" altLang="en-US" dirty="0" smtClean="0"/>
+              <a:rPr lang="zh-TW" altLang="en-US" dirty="0"/>
               <a:t>字型</a:t>
             </a:r>
-            <a:endParaRPr lang="zh-TW" altLang="en-US" dirty="0"/>
           </a:p>
         </p:txBody>
       </p:sp>
@@ -9497,7 +9855,7 @@
         </p:nvSpPr>
         <p:spPr>
           <a:xfrm>
-            <a:off x="9551448" y="2237025"/>
+            <a:off x="9554618" y="1927442"/>
             <a:ext cx="1377300" cy="369332"/>
           </a:xfrm>
           <a:prstGeom prst="rect">
@@ -9512,11 +9870,11 @@
           <a:lstStyle/>
           <a:p>
             <a:r>
-              <a:rPr lang="zh-TW" altLang="en-US" dirty="0" smtClean="0"/>
+              <a:rPr lang="zh-TW" altLang="en-US" dirty="0"/>
               <a:t>標題：</a:t>
             </a:r>
             <a:r>
-              <a:rPr lang="en-US" altLang="zh-TW" dirty="0" smtClean="0"/>
+              <a:rPr lang="en-US" altLang="zh-TW" dirty="0"/>
               <a:t>60px</a:t>
             </a:r>
             <a:endParaRPr lang="zh-TW" altLang="en-US" dirty="0"/>
@@ -9531,7 +9889,7 @@
         </p:nvSpPr>
         <p:spPr>
           <a:xfrm>
-            <a:off x="9551448" y="2921118"/>
+            <a:off x="9572078" y="2581848"/>
             <a:ext cx="1377300" cy="369332"/>
           </a:xfrm>
           <a:prstGeom prst="rect">
@@ -9546,19 +9904,11 @@
           <a:lstStyle/>
           <a:p>
             <a:r>
-              <a:rPr lang="zh-TW" altLang="en-US" dirty="0" smtClean="0"/>
-              <a:t>內</a:t>
-            </a:r>
-            <a:r>
               <a:rPr lang="zh-TW" altLang="en-US" dirty="0"/>
-              <a:t>文</a:t>
-            </a:r>
-            <a:r>
-              <a:rPr lang="zh-TW" altLang="en-US" dirty="0" smtClean="0"/>
-              <a:t>：</a:t>
-            </a:r>
-            <a:r>
-              <a:rPr lang="en-US" altLang="zh-TW" dirty="0" smtClean="0"/>
+              <a:t>內文：</a:t>
+            </a:r>
+            <a:r>
+              <a:rPr lang="en-US" altLang="zh-TW" dirty="0"/>
               <a:t>28px</a:t>
             </a:r>
             <a:endParaRPr lang="zh-TW" altLang="en-US" dirty="0"/>
@@ -9573,7 +9923,7 @@
         </p:nvSpPr>
         <p:spPr>
           <a:xfrm>
-            <a:off x="9089783" y="3566818"/>
+            <a:off x="9110413" y="3172486"/>
             <a:ext cx="1838965" cy="369332"/>
           </a:xfrm>
           <a:prstGeom prst="rect">
@@ -9588,19 +9938,11 @@
           <a:lstStyle/>
           <a:p>
             <a:r>
-              <a:rPr lang="zh-TW" altLang="en-US" dirty="0" smtClean="0"/>
-              <a:t>小型內</a:t>
-            </a:r>
-            <a:r>
               <a:rPr lang="zh-TW" altLang="en-US" dirty="0"/>
-              <a:t>文</a:t>
-            </a:r>
-            <a:r>
-              <a:rPr lang="zh-TW" altLang="en-US" dirty="0" smtClean="0"/>
-              <a:t>：</a:t>
-            </a:r>
-            <a:r>
-              <a:rPr lang="en-US" altLang="zh-TW" dirty="0" smtClean="0"/>
+              <a:t>小型內文：</a:t>
+            </a:r>
+            <a:r>
+              <a:rPr lang="en-US" altLang="zh-TW" dirty="0"/>
               <a:t>20px</a:t>
             </a:r>
             <a:endParaRPr lang="zh-TW" altLang="en-US" dirty="0"/>
@@ -9773,11 +10115,7 @@
           <a:p>
             <a:r>
               <a:rPr lang="en-US" altLang="zh-TW" dirty="0"/>
-              <a:t>N</a:t>
-            </a:r>
-            <a:r>
-              <a:rPr lang="en-US" altLang="zh-TW" dirty="0" smtClean="0"/>
-              <a:t>ormal</a:t>
+              <a:t>Normal</a:t>
             </a:r>
             <a:endParaRPr lang="zh-TW" altLang="en-US" dirty="0"/>
           </a:p>
@@ -9806,7 +10144,7 @@
           <a:lstStyle/>
           <a:p>
             <a:r>
-              <a:rPr lang="en-US" altLang="zh-TW" dirty="0" smtClean="0"/>
+              <a:rPr lang="en-US" altLang="zh-TW" dirty="0"/>
               <a:t>Hover</a:t>
             </a:r>
             <a:endParaRPr lang="zh-TW" altLang="en-US" dirty="0"/>
@@ -9836,7 +10174,7 @@
           <a:lstStyle/>
           <a:p>
             <a:r>
-              <a:rPr lang="en-US" altLang="zh-TW" dirty="0" smtClean="0"/>
+              <a:rPr lang="en-US" altLang="zh-TW" dirty="0"/>
               <a:t>Pressed</a:t>
             </a:r>
             <a:endParaRPr lang="zh-TW" altLang="en-US" dirty="0"/>
@@ -9880,7 +10218,7 @@
           <a:p>
             <a:pPr algn="ctr"/>
             <a:r>
-              <a:rPr lang="en-US" altLang="zh-TW" dirty="0" smtClean="0"/>
+              <a:rPr lang="en-US" altLang="zh-TW" dirty="0"/>
               <a:t>2</a:t>
             </a:r>
           </a:p>
@@ -9909,12 +10247,185 @@
           <a:lstStyle/>
           <a:p>
             <a:r>
-              <a:rPr lang="zh-TW" altLang="en-US" dirty="0" smtClean="0"/>
-              <a:t>視覺回</a:t>
-            </a:r>
-            <a:r>
               <a:rPr lang="zh-TW" altLang="en-US" dirty="0"/>
-              <a:t>饋</a:t>
+              <a:t>視覺回饋</a:t>
+            </a:r>
+          </a:p>
+        </p:txBody>
+      </p:sp>
+      <p:sp>
+        <p:nvSpPr>
+          <p:cNvPr id="34" name="矩形: 圆角 9">
+            <a:extLst>
+              <a:ext uri="{FF2B5EF4-FFF2-40B4-BE49-F238E27FC236}">
+                <a16:creationId xmlns:a16="http://schemas.microsoft.com/office/drawing/2014/main" id="{ECC21D0D-D777-4C4A-AC6E-FE23F531735E}"/>
+              </a:ext>
+            </a:extLst>
+          </p:cNvPr>
+          <p:cNvSpPr/>
+          <p:nvPr/>
+        </p:nvSpPr>
+        <p:spPr>
+          <a:xfrm>
+            <a:off x="8124852" y="3868240"/>
+            <a:ext cx="2894451" cy="2072493"/>
+          </a:xfrm>
+          <a:prstGeom prst="roundRect">
+            <a:avLst>
+              <a:gd name="adj" fmla="val 7658"/>
+            </a:avLst>
+          </a:prstGeom>
+          <a:noFill/>
+          <a:ln w="38100">
+            <a:solidFill>
+              <a:srgbClr val="C51F2D"/>
+            </a:solidFill>
+          </a:ln>
+        </p:spPr>
+        <p:style>
+          <a:lnRef idx="2">
+            <a:schemeClr val="accent1">
+              <a:shade val="50000"/>
+            </a:schemeClr>
+          </a:lnRef>
+          <a:fillRef idx="1">
+            <a:schemeClr val="accent1"/>
+          </a:fillRef>
+          <a:effectRef idx="0">
+            <a:schemeClr val="accent1"/>
+          </a:effectRef>
+          <a:fontRef idx="minor">
+            <a:schemeClr val="lt1"/>
+          </a:fontRef>
+        </p:style>
+        <p:txBody>
+          <a:bodyPr rtlCol="0" anchor="ctr"/>
+          <a:lstStyle/>
+          <a:p>
+            <a:pPr algn="ctr"/>
+            <a:endParaRPr lang="zh-CN" altLang="en-US">
+              <a:cs typeface="+mn-ea"/>
+              <a:sym typeface="+mn-lt"/>
+            </a:endParaRPr>
+          </a:p>
+        </p:txBody>
+      </p:sp>
+      <p:sp>
+        <p:nvSpPr>
+          <p:cNvPr id="35" name="橢圓 34">
+            <a:extLst>
+              <a:ext uri="{FF2B5EF4-FFF2-40B4-BE49-F238E27FC236}">
+                <a16:creationId xmlns:a16="http://schemas.microsoft.com/office/drawing/2014/main" id="{84274B99-375F-4053-A57B-2486DBA84AC5}"/>
+              </a:ext>
+            </a:extLst>
+          </p:cNvPr>
+          <p:cNvSpPr/>
+          <p:nvPr/>
+        </p:nvSpPr>
+        <p:spPr>
+          <a:xfrm>
+            <a:off x="8262800" y="4148644"/>
+            <a:ext cx="288000" cy="288000"/>
+          </a:xfrm>
+          <a:prstGeom prst="ellipse">
+            <a:avLst/>
+          </a:prstGeom>
+        </p:spPr>
+        <p:style>
+          <a:lnRef idx="2">
+            <a:schemeClr val="accent3">
+              <a:shade val="50000"/>
+            </a:schemeClr>
+          </a:lnRef>
+          <a:fillRef idx="1">
+            <a:schemeClr val="accent3"/>
+          </a:fillRef>
+          <a:effectRef idx="0">
+            <a:schemeClr val="accent3"/>
+          </a:effectRef>
+          <a:fontRef idx="minor">
+            <a:schemeClr val="lt1"/>
+          </a:fontRef>
+        </p:style>
+        <p:txBody>
+          <a:bodyPr rtlCol="0" anchor="ctr"/>
+          <a:lstStyle/>
+          <a:p>
+            <a:pPr algn="ctr"/>
+            <a:r>
+              <a:rPr lang="en-US" altLang="zh-TW" dirty="0"/>
+              <a:t>4</a:t>
+            </a:r>
+          </a:p>
+        </p:txBody>
+      </p:sp>
+      <p:sp>
+        <p:nvSpPr>
+          <p:cNvPr id="39" name="文字方塊 38">
+            <a:extLst>
+              <a:ext uri="{FF2B5EF4-FFF2-40B4-BE49-F238E27FC236}">
+                <a16:creationId xmlns:a16="http://schemas.microsoft.com/office/drawing/2014/main" id="{3C89AB82-97FF-47DD-AE47-BB3F0946EFC1}"/>
+              </a:ext>
+            </a:extLst>
+          </p:cNvPr>
+          <p:cNvSpPr txBox="1"/>
+          <p:nvPr/>
+        </p:nvSpPr>
+        <p:spPr>
+          <a:xfrm>
+            <a:off x="8550800" y="4107978"/>
+            <a:ext cx="851515" cy="369332"/>
+          </a:xfrm>
+          <a:prstGeom prst="rect">
+            <a:avLst/>
+          </a:prstGeom>
+          <a:noFill/>
+        </p:spPr>
+        <p:txBody>
+          <a:bodyPr wrap="none" rtlCol="0">
+            <a:spAutoFit/>
+          </a:bodyPr>
+          <a:lstStyle/>
+          <a:p>
+            <a:r>
+              <a:rPr lang="en-US" altLang="zh-TW" dirty="0"/>
+              <a:t>LOGO</a:t>
+            </a:r>
+            <a:endParaRPr lang="zh-TW" altLang="en-US" dirty="0"/>
+          </a:p>
+        </p:txBody>
+      </p:sp>
+      <p:sp>
+        <p:nvSpPr>
+          <p:cNvPr id="40" name="文字方塊 39">
+            <a:extLst>
+              <a:ext uri="{FF2B5EF4-FFF2-40B4-BE49-F238E27FC236}">
+                <a16:creationId xmlns:a16="http://schemas.microsoft.com/office/drawing/2014/main" id="{C067C742-AC4A-4C61-B897-A985CB52935B}"/>
+              </a:ext>
+            </a:extLst>
+          </p:cNvPr>
+          <p:cNvSpPr txBox="1"/>
+          <p:nvPr/>
+        </p:nvSpPr>
+        <p:spPr>
+          <a:xfrm>
+            <a:off x="9360202" y="4099958"/>
+            <a:ext cx="1659102" cy="954107"/>
+          </a:xfrm>
+          <a:prstGeom prst="rect">
+            <a:avLst/>
+          </a:prstGeom>
+          <a:noFill/>
+        </p:spPr>
+        <p:txBody>
+          <a:bodyPr wrap="square" rtlCol="0">
+            <a:spAutoFit/>
+          </a:bodyPr>
+          <a:lstStyle/>
+          <a:p>
+            <a:r>
+              <a:rPr lang="zh-TW" altLang="en-US" sz="1400" dirty="0"/>
+              <a:t>利用簡單的白色線條配上保護眼睛的綠色營造出書本簡潔有力的感覺</a:t>
             </a:r>
           </a:p>
         </p:txBody>
@@ -10256,6 +10767,110 @@
                       </p:childTnLst>
                     </p:cTn>
                   </p:par>
+                  <p:par>
+                    <p:cTn id="24" fill="hold">
+                      <p:stCondLst>
+                        <p:cond delay="indefinite"/>
+                      </p:stCondLst>
+                      <p:childTnLst>
+                        <p:par>
+                          <p:cTn id="25" fill="hold">
+                            <p:stCondLst>
+                              <p:cond delay="0"/>
+                            </p:stCondLst>
+                            <p:childTnLst>
+                              <p:par>
+                                <p:cTn id="26" presetID="47" presetClass="entr" presetSubtype="0" fill="hold" grpId="0" nodeType="clickEffect" nodePh="1">
+                                  <p:stCondLst>
+                                    <p:cond delay="0"/>
+                                  </p:stCondLst>
+                                  <p:endCondLst>
+                                    <p:cond evt="begin" delay="0">
+                                      <p:tn val="26"/>
+                                    </p:cond>
+                                  </p:endCondLst>
+                                  <p:childTnLst>
+                                    <p:set>
+                                      <p:cBhvr>
+                                        <p:cTn id="27" dur="1" fill="hold">
+                                          <p:stCondLst>
+                                            <p:cond delay="0"/>
+                                          </p:stCondLst>
+                                        </p:cTn>
+                                        <p:tgtEl>
+                                          <p:spTgt spid="34"/>
+                                        </p:tgtEl>
+                                        <p:attrNameLst>
+                                          <p:attrName>style.visibility</p:attrName>
+                                        </p:attrNameLst>
+                                      </p:cBhvr>
+                                      <p:to>
+                                        <p:strVal val="visible"/>
+                                      </p:to>
+                                    </p:set>
+                                    <p:animEffect transition="in" filter="fade">
+                                      <p:cBhvr>
+                                        <p:cTn id="28" dur="1000"/>
+                                        <p:tgtEl>
+                                          <p:spTgt spid="34"/>
+                                        </p:tgtEl>
+                                      </p:cBhvr>
+                                    </p:animEffect>
+                                    <p:anim calcmode="lin" valueType="num">
+                                      <p:cBhvr>
+                                        <p:cTn id="29" dur="1000" fill="hold"/>
+                                        <p:tgtEl>
+                                          <p:spTgt spid="34"/>
+                                        </p:tgtEl>
+                                        <p:attrNameLst>
+                                          <p:attrName>ppt_x</p:attrName>
+                                        </p:attrNameLst>
+                                      </p:cBhvr>
+                                      <p:tavLst>
+                                        <p:tav tm="0">
+                                          <p:val>
+                                            <p:strVal val="#ppt_x"/>
+                                          </p:val>
+                                        </p:tav>
+                                        <p:tav tm="100000">
+                                          <p:val>
+                                            <p:strVal val="#ppt_x"/>
+                                          </p:val>
+                                        </p:tav>
+                                      </p:tavLst>
+                                    </p:anim>
+                                    <p:anim calcmode="lin" valueType="num">
+                                      <p:cBhvr>
+                                        <p:cTn id="30" dur="1000" fill="hold"/>
+                                        <p:tgtEl>
+                                          <p:spTgt spid="34"/>
+                                        </p:tgtEl>
+                                        <p:attrNameLst>
+                                          <p:attrName>ppt_y</p:attrName>
+                                        </p:attrNameLst>
+                                      </p:cBhvr>
+                                      <p:tavLst>
+                                        <p:tav tm="0">
+                                          <p:val>
+                                            <p:strVal val="#ppt_y-.1"/>
+                                          </p:val>
+                                        </p:tav>
+                                        <p:tav tm="100000">
+                                          <p:val>
+                                            <p:strVal val="#ppt_y"/>
+                                          </p:val>
+                                        </p:tav>
+                                      </p:tavLst>
+                                    </p:anim>
+                                  </p:childTnLst>
+                                </p:cTn>
+                              </p:par>
+                            </p:childTnLst>
+                          </p:cTn>
+                        </p:par>
+                      </p:childTnLst>
+                    </p:cTn>
+                  </p:par>
                 </p:childTnLst>
               </p:cTn>
               <p:prevCondLst>
@@ -10281,6 +10896,7 @@
       <p:bldP spid="8" grpId="0" animBg="1"/>
       <p:bldP spid="9" grpId="0" animBg="1"/>
       <p:bldP spid="10" grpId="0" animBg="1"/>
+      <p:bldP spid="34" grpId="0" animBg="1"/>
     </p:bldLst>
   </p:timing>
 </p:sld>
@@ -10475,7 +11091,7 @@
           <a:lstStyle/>
           <a:p>
             <a:r>
-              <a:rPr lang="zh-TW" altLang="en-US" sz="3200" dirty="0" smtClean="0">
+              <a:rPr lang="zh-TW" altLang="en-US" sz="3200" dirty="0">
                 <a:solidFill>
                   <a:schemeClr val="tx1">
                     <a:lumMod val="75000"/>
@@ -10552,13 +11168,6 @@
       </p:transition>
     </mc:Fallback>
   </mc:AlternateContent>
-  <p:timing>
-    <p:tnLst>
-      <p:par>
-        <p:cTn id="1" dur="indefinite" restart="never" nodeType="tmRoot"/>
-      </p:par>
-    </p:tnLst>
-  </p:timing>
 </p:sld>
 </file>
 
